--- a/logoSupport.pptx
+++ b/logoSupport.pptx
@@ -104,6 +104,11 @@
       </a:defRPr>
     </a:lvl9pPr>
   </p:defaultTextStyle>
+  <p:extLst>
+    <p:ext uri="{EFAFB233-063F-42B5-8137-9DF3F51BA10A}">
+      <p15:sldGuideLst xmlns:p15="http://schemas.microsoft.com/office/powerpoint/2012/main"/>
+    </p:ext>
+  </p:extLst>
 </p:presentation>
 </file>
 
@@ -3765,6 +3770,503 @@
           </p:txBody>
         </p:sp>
       </p:grpSp>
+      <p:pic>
+        <p:nvPicPr>
+          <p:cNvPr id="2" name="Picture 1"/>
+          <p:cNvPicPr>
+            <a:picLocks noChangeAspect="1"/>
+          </p:cNvPicPr>
+          <p:nvPr/>
+        </p:nvPicPr>
+        <p:blipFill>
+          <a:blip r:embed="rId6">
+            <a:extLst>
+              <a:ext uri="{28A0092B-C50C-407E-A947-70E740481C1C}">
+                <a14:useLocalDpi xmlns:a14="http://schemas.microsoft.com/office/drawing/2010/main" val="0"/>
+              </a:ext>
+            </a:extLst>
+          </a:blip>
+          <a:stretch>
+            <a:fillRect/>
+          </a:stretch>
+        </p:blipFill>
+        <p:spPr>
+          <a:xfrm>
+            <a:off x="2864304" y="4843147"/>
+            <a:ext cx="2190750" cy="723900"/>
+          </a:xfrm>
+          <a:prstGeom prst="rect">
+            <a:avLst/>
+          </a:prstGeom>
+        </p:spPr>
+      </p:pic>
+      <p:sp>
+        <p:nvSpPr>
+          <p:cNvPr id="23" name="Rounded Rectangle 22"/>
+          <p:cNvSpPr/>
+          <p:nvPr/>
+        </p:nvSpPr>
+        <p:spPr>
+          <a:xfrm>
+            <a:off x="5794168" y="4808555"/>
+            <a:ext cx="2193226" cy="758492"/>
+          </a:xfrm>
+          <a:prstGeom prst="roundRect">
+            <a:avLst>
+              <a:gd name="adj" fmla="val 17865"/>
+            </a:avLst>
+          </a:prstGeom>
+          <a:solidFill>
+            <a:srgbClr val="43AAB1"/>
+          </a:solidFill>
+          <a:ln>
+            <a:solidFill>
+              <a:schemeClr val="accent1">
+                <a:lumMod val="40000"/>
+                <a:lumOff val="60000"/>
+              </a:schemeClr>
+            </a:solidFill>
+          </a:ln>
+        </p:spPr>
+        <p:style>
+          <a:lnRef idx="2">
+            <a:schemeClr val="accent1">
+              <a:shade val="50000"/>
+            </a:schemeClr>
+          </a:lnRef>
+          <a:fillRef idx="1">
+            <a:schemeClr val="accent1"/>
+          </a:fillRef>
+          <a:effectRef idx="0">
+            <a:schemeClr val="accent1"/>
+          </a:effectRef>
+          <a:fontRef idx="minor">
+            <a:schemeClr val="lt1"/>
+          </a:fontRef>
+        </p:style>
+        <p:txBody>
+          <a:bodyPr rtlCol="0" anchor="ctr"/>
+          <a:lstStyle/>
+          <a:p>
+            <a:pPr algn="ctr"/>
+            <a:endParaRPr lang="en-US" b="1" dirty="0"/>
+          </a:p>
+        </p:txBody>
+      </p:sp>
+      <p:sp>
+        <p:nvSpPr>
+          <p:cNvPr id="24" name="Rectangle 23"/>
+          <p:cNvSpPr/>
+          <p:nvPr/>
+        </p:nvSpPr>
+        <p:spPr>
+          <a:xfrm>
+            <a:off x="5791690" y="5264727"/>
+            <a:ext cx="2195704" cy="302320"/>
+          </a:xfrm>
+          <a:prstGeom prst="rect">
+            <a:avLst/>
+          </a:prstGeom>
+          <a:solidFill>
+            <a:srgbClr val="EFF8FF"/>
+          </a:solidFill>
+          <a:ln>
+            <a:solidFill>
+              <a:srgbClr val="EFF8FF"/>
+            </a:solidFill>
+          </a:ln>
+        </p:spPr>
+        <p:style>
+          <a:lnRef idx="2">
+            <a:schemeClr val="accent1">
+              <a:shade val="50000"/>
+            </a:schemeClr>
+          </a:lnRef>
+          <a:fillRef idx="1">
+            <a:schemeClr val="accent1"/>
+          </a:fillRef>
+          <a:effectRef idx="0">
+            <a:schemeClr val="accent1"/>
+          </a:effectRef>
+          <a:fontRef idx="minor">
+            <a:schemeClr val="lt1"/>
+          </a:fontRef>
+        </p:style>
+        <p:txBody>
+          <a:bodyPr rtlCol="0" anchor="ctr"/>
+          <a:lstStyle/>
+          <a:p>
+            <a:pPr algn="ctr"/>
+            <a:endParaRPr lang="en-US" dirty="0" smtClean="0"/>
+          </a:p>
+        </p:txBody>
+      </p:sp>
+      <p:pic>
+        <p:nvPicPr>
+          <p:cNvPr id="3" name="Picture 2"/>
+          <p:cNvPicPr>
+            <a:picLocks noChangeAspect="1"/>
+          </p:cNvPicPr>
+          <p:nvPr/>
+        </p:nvPicPr>
+        <p:blipFill>
+          <a:blip r:embed="rId7"/>
+          <a:stretch>
+            <a:fillRect/>
+          </a:stretch>
+        </p:blipFill>
+        <p:spPr>
+          <a:xfrm>
+            <a:off x="5794168" y="4082573"/>
+            <a:ext cx="361905" cy="219048"/>
+          </a:xfrm>
+          <a:prstGeom prst="rect">
+            <a:avLst/>
+          </a:prstGeom>
+        </p:spPr>
+      </p:pic>
+      <p:sp>
+        <p:nvSpPr>
+          <p:cNvPr id="25" name="TextBox 24"/>
+          <p:cNvSpPr txBox="1"/>
+          <p:nvPr/>
+        </p:nvSpPr>
+        <p:spPr>
+          <a:xfrm>
+            <a:off x="5872014" y="4851975"/>
+            <a:ext cx="1500951" cy="369332"/>
+          </a:xfrm>
+          <a:prstGeom prst="rect">
+            <a:avLst/>
+          </a:prstGeom>
+          <a:noFill/>
+        </p:spPr>
+        <p:txBody>
+          <a:bodyPr wrap="square" rtlCol="0">
+            <a:spAutoFit/>
+          </a:bodyPr>
+          <a:lstStyle/>
+          <a:p>
+            <a:r>
+              <a:rPr lang="en-US" b="1" dirty="0" smtClean="0">
+                <a:solidFill>
+                  <a:schemeClr val="bg1"/>
+                </a:solidFill>
+              </a:rPr>
+              <a:t>Want to learn</a:t>
+            </a:r>
+            <a:endParaRPr lang="en-US" b="1" dirty="0">
+              <a:solidFill>
+                <a:schemeClr val="bg1"/>
+              </a:solidFill>
+            </a:endParaRPr>
+          </a:p>
+        </p:txBody>
+      </p:sp>
+      <p:sp>
+        <p:nvSpPr>
+          <p:cNvPr id="26" name="TextBox 25"/>
+          <p:cNvSpPr txBox="1"/>
+          <p:nvPr/>
+        </p:nvSpPr>
+        <p:spPr>
+          <a:xfrm>
+            <a:off x="5868537" y="5264727"/>
+            <a:ext cx="1511286" cy="369332"/>
+          </a:xfrm>
+          <a:prstGeom prst="rect">
+            <a:avLst/>
+          </a:prstGeom>
+          <a:noFill/>
+        </p:spPr>
+        <p:txBody>
+          <a:bodyPr wrap="square" rtlCol="0">
+            <a:spAutoFit/>
+          </a:bodyPr>
+          <a:lstStyle/>
+          <a:p>
+            <a:r>
+              <a:rPr lang="en-US" dirty="0" smtClean="0"/>
+              <a:t>more studies?</a:t>
+            </a:r>
+            <a:endParaRPr lang="en-US" dirty="0"/>
+          </a:p>
+        </p:txBody>
+      </p:sp>
+      <p:pic>
+        <p:nvPicPr>
+          <p:cNvPr id="11" name="Picture 10"/>
+          <p:cNvPicPr>
+            <a:picLocks noChangeAspect="1"/>
+          </p:cNvPicPr>
+          <p:nvPr/>
+        </p:nvPicPr>
+        <p:blipFill>
+          <a:blip r:embed="rId8">
+            <a:extLst>
+              <a:ext uri="{28A0092B-C50C-407E-A947-70E740481C1C}">
+                <a14:useLocalDpi xmlns:a14="http://schemas.microsoft.com/office/drawing/2010/main" val="0"/>
+              </a:ext>
+            </a:extLst>
+          </a:blip>
+          <a:stretch>
+            <a:fillRect/>
+          </a:stretch>
+        </p:blipFill>
+        <p:spPr>
+          <a:xfrm>
+            <a:off x="9387321" y="3989962"/>
+            <a:ext cx="400050" cy="219075"/>
+          </a:xfrm>
+          <a:prstGeom prst="rect">
+            <a:avLst/>
+          </a:prstGeom>
+        </p:spPr>
+      </p:pic>
+      <p:pic>
+        <p:nvPicPr>
+          <p:cNvPr id="27" name="Picture 26"/>
+          <p:cNvPicPr>
+            <a:picLocks noChangeAspect="1"/>
+          </p:cNvPicPr>
+          <p:nvPr/>
+        </p:nvPicPr>
+        <p:blipFill>
+          <a:blip r:embed="rId9">
+            <a:extLst>
+              <a:ext uri="{28A0092B-C50C-407E-A947-70E740481C1C}">
+                <a14:useLocalDpi xmlns:a14="http://schemas.microsoft.com/office/drawing/2010/main" val="0"/>
+              </a:ext>
+            </a:extLst>
+          </a:blip>
+          <a:stretch>
+            <a:fillRect/>
+          </a:stretch>
+        </p:blipFill>
+        <p:spPr>
+          <a:xfrm>
+            <a:off x="9387321" y="4773975"/>
+            <a:ext cx="485775" cy="266700"/>
+          </a:xfrm>
+          <a:prstGeom prst="rect">
+            <a:avLst/>
+          </a:prstGeom>
+        </p:spPr>
+      </p:pic>
+      <p:sp>
+        <p:nvSpPr>
+          <p:cNvPr id="28" name="Rounded Rectangle 27"/>
+          <p:cNvSpPr/>
+          <p:nvPr/>
+        </p:nvSpPr>
+        <p:spPr>
+          <a:xfrm>
+            <a:off x="9873096" y="3973035"/>
+            <a:ext cx="400050" cy="236002"/>
+          </a:xfrm>
+          <a:prstGeom prst="roundRect">
+            <a:avLst>
+              <a:gd name="adj" fmla="val 17865"/>
+            </a:avLst>
+          </a:prstGeom>
+          <a:solidFill>
+            <a:srgbClr val="E0F1FE"/>
+          </a:solidFill>
+          <a:ln>
+            <a:solidFill>
+              <a:schemeClr val="accent1">
+                <a:lumMod val="40000"/>
+                <a:lumOff val="60000"/>
+              </a:schemeClr>
+            </a:solidFill>
+          </a:ln>
+        </p:spPr>
+        <p:style>
+          <a:lnRef idx="2">
+            <a:schemeClr val="accent1">
+              <a:shade val="50000"/>
+            </a:schemeClr>
+          </a:lnRef>
+          <a:fillRef idx="1">
+            <a:schemeClr val="accent1"/>
+          </a:fillRef>
+          <a:effectRef idx="0">
+            <a:schemeClr val="accent1"/>
+          </a:effectRef>
+          <a:fontRef idx="minor">
+            <a:schemeClr val="lt1"/>
+          </a:fontRef>
+        </p:style>
+        <p:txBody>
+          <a:bodyPr rtlCol="0" anchor="ctr"/>
+          <a:lstStyle/>
+          <a:p>
+            <a:pPr algn="ctr"/>
+            <a:endParaRPr lang="en-US" b="1" dirty="0"/>
+          </a:p>
+        </p:txBody>
+      </p:sp>
+      <p:sp>
+        <p:nvSpPr>
+          <p:cNvPr id="29" name="TextBox 28"/>
+          <p:cNvSpPr txBox="1"/>
+          <p:nvPr/>
+        </p:nvSpPr>
+        <p:spPr>
+          <a:xfrm>
+            <a:off x="9847697" y="4007431"/>
+            <a:ext cx="490104" cy="184666"/>
+          </a:xfrm>
+          <a:prstGeom prst="rect">
+            <a:avLst/>
+          </a:prstGeom>
+          <a:noFill/>
+        </p:spPr>
+        <p:txBody>
+          <a:bodyPr wrap="square" rtlCol="0">
+            <a:spAutoFit/>
+          </a:bodyPr>
+          <a:lstStyle/>
+          <a:p>
+            <a:r>
+              <a:rPr lang="en-US" sz="600" b="1" dirty="0" smtClean="0">
+                <a:solidFill>
+                  <a:srgbClr val="0070C0"/>
+                </a:solidFill>
+              </a:rPr>
+              <a:t>Subscribe</a:t>
+            </a:r>
+            <a:endParaRPr lang="en-US" sz="600" b="1" dirty="0">
+              <a:solidFill>
+                <a:srgbClr val="0070C0"/>
+              </a:solidFill>
+            </a:endParaRPr>
+          </a:p>
+        </p:txBody>
+      </p:sp>
+      <p:pic>
+        <p:nvPicPr>
+          <p:cNvPr id="30" name="Picture 29"/>
+          <p:cNvPicPr>
+            <a:picLocks noChangeAspect="1"/>
+          </p:cNvPicPr>
+          <p:nvPr/>
+        </p:nvPicPr>
+        <p:blipFill>
+          <a:blip r:embed="rId10">
+            <a:extLst>
+              <a:ext uri="{28A0092B-C50C-407E-A947-70E740481C1C}">
+                <a14:useLocalDpi xmlns:a14="http://schemas.microsoft.com/office/drawing/2010/main" val="0"/>
+              </a:ext>
+            </a:extLst>
+          </a:blip>
+          <a:stretch>
+            <a:fillRect/>
+          </a:stretch>
+        </p:blipFill>
+        <p:spPr>
+          <a:xfrm>
+            <a:off x="9689849" y="781866"/>
+            <a:ext cx="619125" cy="609600"/>
+          </a:xfrm>
+          <a:prstGeom prst="rect">
+            <a:avLst/>
+          </a:prstGeom>
+        </p:spPr>
+      </p:pic>
+      <p:grpSp>
+        <p:nvGrpSpPr>
+          <p:cNvPr id="33" name="Group 32"/>
+          <p:cNvGrpSpPr/>
+          <p:nvPr/>
+        </p:nvGrpSpPr>
+        <p:grpSpPr>
+          <a:xfrm>
+            <a:off x="9787371" y="1842755"/>
+            <a:ext cx="644728" cy="405472"/>
+            <a:chOff x="9845580" y="1615191"/>
+            <a:chExt cx="822572" cy="482488"/>
+          </a:xfrm>
+        </p:grpSpPr>
+        <p:sp>
+          <p:nvSpPr>
+            <p:cNvPr id="31" name="Cloud 30"/>
+            <p:cNvSpPr/>
+            <p:nvPr/>
+          </p:nvSpPr>
+          <p:spPr>
+            <a:xfrm rot="20580301">
+              <a:off x="9924124" y="1615191"/>
+              <a:ext cx="665484" cy="482488"/>
+            </a:xfrm>
+            <a:prstGeom prst="cloud">
+              <a:avLst/>
+            </a:prstGeom>
+          </p:spPr>
+          <p:style>
+            <a:lnRef idx="2">
+              <a:schemeClr val="accent6">
+                <a:shade val="50000"/>
+              </a:schemeClr>
+            </a:lnRef>
+            <a:fillRef idx="1">
+              <a:schemeClr val="accent6"/>
+            </a:fillRef>
+            <a:effectRef idx="0">
+              <a:schemeClr val="accent6"/>
+            </a:effectRef>
+            <a:fontRef idx="minor">
+              <a:schemeClr val="lt1"/>
+            </a:fontRef>
+          </p:style>
+          <p:txBody>
+            <a:bodyPr rtlCol="0" anchor="ctr"/>
+            <a:lstStyle/>
+            <a:p>
+              <a:pPr algn="ctr"/>
+              <a:endParaRPr lang="en-US"/>
+            </a:p>
+          </p:txBody>
+        </p:sp>
+        <p:sp>
+          <p:nvSpPr>
+            <p:cNvPr id="32" name="TextBox 31"/>
+            <p:cNvSpPr txBox="1"/>
+            <p:nvPr/>
+          </p:nvSpPr>
+          <p:spPr>
+            <a:xfrm rot="19167076">
+              <a:off x="9845580" y="1683673"/>
+              <a:ext cx="822572" cy="302145"/>
+            </a:xfrm>
+            <a:prstGeom prst="rect">
+              <a:avLst/>
+            </a:prstGeom>
+            <a:noFill/>
+          </p:spPr>
+          <p:txBody>
+            <a:bodyPr wrap="none" rtlCol="0">
+              <a:spAutoFit/>
+            </a:bodyPr>
+            <a:lstStyle/>
+            <a:p>
+              <a:r>
+                <a:rPr lang="en-US" sz="1050" dirty="0" smtClean="0">
+                  <a:solidFill>
+                    <a:schemeClr val="bg1"/>
+                  </a:solidFill>
+                </a:rPr>
+                <a:t>Ongoing</a:t>
+              </a:r>
+              <a:endParaRPr lang="en-US" sz="1050" dirty="0">
+                <a:solidFill>
+                  <a:schemeClr val="bg1"/>
+                </a:solidFill>
+              </a:endParaRPr>
+            </a:p>
+          </p:txBody>
+        </p:sp>
+      </p:grpSp>
     </p:spTree>
     <p:extLst>
       <p:ext uri="{BB962C8B-B14F-4D97-AF65-F5344CB8AC3E}">

--- a/logoSupport.pptx
+++ b/logoSupport.pptx
@@ -243,7 +243,7 @@
           <a:p>
             <a:fld id="{7CF2D2D2-32C9-4150-B168-C937D8045832}" type="datetimeFigureOut">
               <a:rPr lang="en-US" smtClean="0"/>
-              <a:t>4/2/2013</a:t>
+              <a:t>4/3/2013</a:t>
             </a:fld>
             <a:endParaRPr lang="en-US"/>
           </a:p>
@@ -413,7 +413,7 @@
           <a:p>
             <a:fld id="{7CF2D2D2-32C9-4150-B168-C937D8045832}" type="datetimeFigureOut">
               <a:rPr lang="en-US" smtClean="0"/>
-              <a:t>4/2/2013</a:t>
+              <a:t>4/3/2013</a:t>
             </a:fld>
             <a:endParaRPr lang="en-US"/>
           </a:p>
@@ -593,7 +593,7 @@
           <a:p>
             <a:fld id="{7CF2D2D2-32C9-4150-B168-C937D8045832}" type="datetimeFigureOut">
               <a:rPr lang="en-US" smtClean="0"/>
-              <a:t>4/2/2013</a:t>
+              <a:t>4/3/2013</a:t>
             </a:fld>
             <a:endParaRPr lang="en-US"/>
           </a:p>
@@ -763,7 +763,7 @@
           <a:p>
             <a:fld id="{7CF2D2D2-32C9-4150-B168-C937D8045832}" type="datetimeFigureOut">
               <a:rPr lang="en-US" smtClean="0"/>
-              <a:t>4/2/2013</a:t>
+              <a:t>4/3/2013</a:t>
             </a:fld>
             <a:endParaRPr lang="en-US"/>
           </a:p>
@@ -1009,7 +1009,7 @@
           <a:p>
             <a:fld id="{7CF2D2D2-32C9-4150-B168-C937D8045832}" type="datetimeFigureOut">
               <a:rPr lang="en-US" smtClean="0"/>
-              <a:t>4/2/2013</a:t>
+              <a:t>4/3/2013</a:t>
             </a:fld>
             <a:endParaRPr lang="en-US"/>
           </a:p>
@@ -1241,7 +1241,7 @@
           <a:p>
             <a:fld id="{7CF2D2D2-32C9-4150-B168-C937D8045832}" type="datetimeFigureOut">
               <a:rPr lang="en-US" smtClean="0"/>
-              <a:t>4/2/2013</a:t>
+              <a:t>4/3/2013</a:t>
             </a:fld>
             <a:endParaRPr lang="en-US"/>
           </a:p>
@@ -1608,7 +1608,7 @@
           <a:p>
             <a:fld id="{7CF2D2D2-32C9-4150-B168-C937D8045832}" type="datetimeFigureOut">
               <a:rPr lang="en-US" smtClean="0"/>
-              <a:t>4/2/2013</a:t>
+              <a:t>4/3/2013</a:t>
             </a:fld>
             <a:endParaRPr lang="en-US"/>
           </a:p>
@@ -1726,7 +1726,7 @@
           <a:p>
             <a:fld id="{7CF2D2D2-32C9-4150-B168-C937D8045832}" type="datetimeFigureOut">
               <a:rPr lang="en-US" smtClean="0"/>
-              <a:t>4/2/2013</a:t>
+              <a:t>4/3/2013</a:t>
             </a:fld>
             <a:endParaRPr lang="en-US"/>
           </a:p>
@@ -1821,7 +1821,7 @@
           <a:p>
             <a:fld id="{7CF2D2D2-32C9-4150-B168-C937D8045832}" type="datetimeFigureOut">
               <a:rPr lang="en-US" smtClean="0"/>
-              <a:t>4/2/2013</a:t>
+              <a:t>4/3/2013</a:t>
             </a:fld>
             <a:endParaRPr lang="en-US"/>
           </a:p>
@@ -2098,7 +2098,7 @@
           <a:p>
             <a:fld id="{7CF2D2D2-32C9-4150-B168-C937D8045832}" type="datetimeFigureOut">
               <a:rPr lang="en-US" smtClean="0"/>
-              <a:t>4/2/2013</a:t>
+              <a:t>4/3/2013</a:t>
             </a:fld>
             <a:endParaRPr lang="en-US"/>
           </a:p>
@@ -2351,7 +2351,7 @@
           <a:p>
             <a:fld id="{7CF2D2D2-32C9-4150-B168-C937D8045832}" type="datetimeFigureOut">
               <a:rPr lang="en-US" smtClean="0"/>
-              <a:t>4/2/2013</a:t>
+              <a:t>4/3/2013</a:t>
             </a:fld>
             <a:endParaRPr lang="en-US"/>
           </a:p>
@@ -2564,7 +2564,7 @@
           <a:p>
             <a:fld id="{7CF2D2D2-32C9-4150-B168-C937D8045832}" type="datetimeFigureOut">
               <a:rPr lang="en-US" smtClean="0"/>
-              <a:t>4/2/2013</a:t>
+              <a:t>4/3/2013</a:t>
             </a:fld>
             <a:endParaRPr lang="en-US"/>
           </a:p>
@@ -3253,8 +3253,8 @@
         </p:nvSpPr>
         <p:spPr>
           <a:xfrm>
-            <a:off x="1330779" y="3880004"/>
-            <a:ext cx="1907721" cy="487518"/>
+            <a:off x="1449912" y="3989961"/>
+            <a:ext cx="1303562" cy="219075"/>
           </a:xfrm>
           <a:prstGeom prst="rect">
             <a:avLst/>
@@ -3331,7 +3331,7 @@
         </p:nvSpPr>
         <p:spPr>
           <a:xfrm>
-            <a:off x="1674423" y="3942770"/>
+            <a:off x="1449912" y="3914833"/>
             <a:ext cx="1303562" cy="369332"/>
           </a:xfrm>
           <a:prstGeom prst="rect">

--- a/logoSupport.pptx
+++ b/logoSupport.pptx
@@ -6,6 +6,7 @@
   </p:sldMasterIdLst>
   <p:sldIdLst>
     <p:sldId id="257" r:id="rId2"/>
+    <p:sldId id="258" r:id="rId3"/>
   </p:sldIdLst>
   <p:sldSz cx="12192000" cy="6858000"/>
   <p:notesSz cx="6858000" cy="9144000"/>
@@ -243,7 +244,7 @@
           <a:p>
             <a:fld id="{7CF2D2D2-32C9-4150-B168-C937D8045832}" type="datetimeFigureOut">
               <a:rPr lang="en-US" smtClean="0"/>
-              <a:t>4/3/2013</a:t>
+              <a:t>4/4/2013</a:t>
             </a:fld>
             <a:endParaRPr lang="en-US"/>
           </a:p>
@@ -413,7 +414,7 @@
           <a:p>
             <a:fld id="{7CF2D2D2-32C9-4150-B168-C937D8045832}" type="datetimeFigureOut">
               <a:rPr lang="en-US" smtClean="0"/>
-              <a:t>4/3/2013</a:t>
+              <a:t>4/4/2013</a:t>
             </a:fld>
             <a:endParaRPr lang="en-US"/>
           </a:p>
@@ -593,7 +594,7 @@
           <a:p>
             <a:fld id="{7CF2D2D2-32C9-4150-B168-C937D8045832}" type="datetimeFigureOut">
               <a:rPr lang="en-US" smtClean="0"/>
-              <a:t>4/3/2013</a:t>
+              <a:t>4/4/2013</a:t>
             </a:fld>
             <a:endParaRPr lang="en-US"/>
           </a:p>
@@ -763,7 +764,7 @@
           <a:p>
             <a:fld id="{7CF2D2D2-32C9-4150-B168-C937D8045832}" type="datetimeFigureOut">
               <a:rPr lang="en-US" smtClean="0"/>
-              <a:t>4/3/2013</a:t>
+              <a:t>4/4/2013</a:t>
             </a:fld>
             <a:endParaRPr lang="en-US"/>
           </a:p>
@@ -1009,7 +1010,7 @@
           <a:p>
             <a:fld id="{7CF2D2D2-32C9-4150-B168-C937D8045832}" type="datetimeFigureOut">
               <a:rPr lang="en-US" smtClean="0"/>
-              <a:t>4/3/2013</a:t>
+              <a:t>4/4/2013</a:t>
             </a:fld>
             <a:endParaRPr lang="en-US"/>
           </a:p>
@@ -1241,7 +1242,7 @@
           <a:p>
             <a:fld id="{7CF2D2D2-32C9-4150-B168-C937D8045832}" type="datetimeFigureOut">
               <a:rPr lang="en-US" smtClean="0"/>
-              <a:t>4/3/2013</a:t>
+              <a:t>4/4/2013</a:t>
             </a:fld>
             <a:endParaRPr lang="en-US"/>
           </a:p>
@@ -1608,7 +1609,7 @@
           <a:p>
             <a:fld id="{7CF2D2D2-32C9-4150-B168-C937D8045832}" type="datetimeFigureOut">
               <a:rPr lang="en-US" smtClean="0"/>
-              <a:t>4/3/2013</a:t>
+              <a:t>4/4/2013</a:t>
             </a:fld>
             <a:endParaRPr lang="en-US"/>
           </a:p>
@@ -1726,7 +1727,7 @@
           <a:p>
             <a:fld id="{7CF2D2D2-32C9-4150-B168-C937D8045832}" type="datetimeFigureOut">
               <a:rPr lang="en-US" smtClean="0"/>
-              <a:t>4/3/2013</a:t>
+              <a:t>4/4/2013</a:t>
             </a:fld>
             <a:endParaRPr lang="en-US"/>
           </a:p>
@@ -1821,7 +1822,7 @@
           <a:p>
             <a:fld id="{7CF2D2D2-32C9-4150-B168-C937D8045832}" type="datetimeFigureOut">
               <a:rPr lang="en-US" smtClean="0"/>
-              <a:t>4/3/2013</a:t>
+              <a:t>4/4/2013</a:t>
             </a:fld>
             <a:endParaRPr lang="en-US"/>
           </a:p>
@@ -2098,7 +2099,7 @@
           <a:p>
             <a:fld id="{7CF2D2D2-32C9-4150-B168-C937D8045832}" type="datetimeFigureOut">
               <a:rPr lang="en-US" smtClean="0"/>
-              <a:t>4/3/2013</a:t>
+              <a:t>4/4/2013</a:t>
             </a:fld>
             <a:endParaRPr lang="en-US"/>
           </a:p>
@@ -2351,7 +2352,7 @@
           <a:p>
             <a:fld id="{7CF2D2D2-32C9-4150-B168-C937D8045832}" type="datetimeFigureOut">
               <a:rPr lang="en-US" smtClean="0"/>
-              <a:t>4/3/2013</a:t>
+              <a:t>4/4/2013</a:t>
             </a:fld>
             <a:endParaRPr lang="en-US"/>
           </a:p>
@@ -2564,7 +2565,7 @@
           <a:p>
             <a:fld id="{7CF2D2D2-32C9-4150-B168-C937D8045832}" type="datetimeFigureOut">
               <a:rPr lang="en-US" smtClean="0"/>
-              <a:t>4/3/2013</a:t>
+              <a:t>4/4/2013</a:t>
             </a:fld>
             <a:endParaRPr lang="en-US"/>
           </a:p>
@@ -3792,7 +3793,7 @@
         </p:blipFill>
         <p:spPr>
           <a:xfrm>
-            <a:off x="2864304" y="4843147"/>
+            <a:off x="2446049" y="4773975"/>
             <a:ext cx="2190750" cy="723900"/>
           </a:xfrm>
           <a:prstGeom prst="rect">
@@ -4271,6 +4272,717 @@
     <p:extLst>
       <p:ext uri="{BB962C8B-B14F-4D97-AF65-F5344CB8AC3E}">
         <p14:creationId xmlns:p14="http://schemas.microsoft.com/office/powerpoint/2010/main" val="2642793326"/>
+      </p:ext>
+    </p:extLst>
+  </p:cSld>
+  <p:clrMapOvr>
+    <a:masterClrMapping/>
+  </p:clrMapOvr>
+  <p:timing>
+    <p:tnLst>
+      <p:par>
+        <p:cTn id="1" dur="indefinite" restart="never" nodeType="tmRoot"/>
+      </p:par>
+    </p:tnLst>
+  </p:timing>
+</p:sld>
+</file>
+
+<file path=ppt/slides/slide2.xml><?xml version="1.0" encoding="utf-8"?>
+<p:sld xmlns:a="http://schemas.openxmlformats.org/drawingml/2006/main" xmlns:r="http://schemas.openxmlformats.org/officeDocument/2006/relationships" xmlns:p="http://schemas.openxmlformats.org/presentationml/2006/main">
+  <p:cSld>
+    <p:spTree>
+      <p:nvGrpSpPr>
+        <p:cNvPr id="1" name=""/>
+        <p:cNvGrpSpPr/>
+        <p:nvPr/>
+      </p:nvGrpSpPr>
+      <p:grpSpPr>
+        <a:xfrm>
+          <a:off x="0" y="0"/>
+          <a:ext cx="0" cy="0"/>
+          <a:chOff x="0" y="0"/>
+          <a:chExt cx="0" cy="0"/>
+        </a:xfrm>
+      </p:grpSpPr>
+      <p:pic>
+        <p:nvPicPr>
+          <p:cNvPr id="4" name="Picture 3"/>
+          <p:cNvPicPr>
+            <a:picLocks noChangeAspect="1"/>
+          </p:cNvPicPr>
+          <p:nvPr/>
+        </p:nvPicPr>
+        <p:blipFill>
+          <a:blip r:embed="rId2">
+            <a:extLst>
+              <a:ext uri="{28A0092B-C50C-407E-A947-70E740481C1C}">
+                <a14:useLocalDpi xmlns:a14="http://schemas.microsoft.com/office/drawing/2010/main" val="0"/>
+              </a:ext>
+            </a:extLst>
+          </a:blip>
+          <a:stretch>
+            <a:fillRect/>
+          </a:stretch>
+        </p:blipFill>
+        <p:spPr>
+          <a:xfrm>
+            <a:off x="2431444" y="1475037"/>
+            <a:ext cx="1390650" cy="866775"/>
+          </a:xfrm>
+          <a:prstGeom prst="rect">
+            <a:avLst/>
+          </a:prstGeom>
+        </p:spPr>
+      </p:pic>
+      <p:sp>
+        <p:nvSpPr>
+          <p:cNvPr id="5" name="Rectangle 4"/>
+          <p:cNvSpPr/>
+          <p:nvPr/>
+        </p:nvSpPr>
+        <p:spPr>
+          <a:xfrm rot="21061583">
+            <a:off x="2535364" y="1644088"/>
+            <a:ext cx="1182810" cy="528671"/>
+          </a:xfrm>
+          <a:prstGeom prst="rect">
+            <a:avLst/>
+          </a:prstGeom>
+          <a:solidFill>
+            <a:srgbClr val="E4F0F9"/>
+          </a:solidFill>
+          <a:ln>
+            <a:solidFill>
+              <a:srgbClr val="E4F0F9"/>
+            </a:solidFill>
+          </a:ln>
+        </p:spPr>
+        <p:style>
+          <a:lnRef idx="2">
+            <a:schemeClr val="accent1">
+              <a:shade val="50000"/>
+            </a:schemeClr>
+          </a:lnRef>
+          <a:fillRef idx="1">
+            <a:schemeClr val="accent1"/>
+          </a:fillRef>
+          <a:effectRef idx="0">
+            <a:schemeClr val="accent1"/>
+          </a:effectRef>
+          <a:fontRef idx="minor">
+            <a:schemeClr val="lt1"/>
+          </a:fontRef>
+        </p:style>
+        <p:txBody>
+          <a:bodyPr rtlCol="0" anchor="ctr"/>
+          <a:lstStyle/>
+          <a:p>
+            <a:pPr algn="ctr"/>
+            <a:r>
+              <a:rPr lang="en-US" b="1" dirty="0" smtClean="0">
+                <a:solidFill>
+                  <a:srgbClr val="FF0000"/>
+                </a:solidFill>
+              </a:rPr>
+              <a:t>Closed</a:t>
+            </a:r>
+            <a:endParaRPr lang="en-US" b="1" dirty="0">
+              <a:solidFill>
+                <a:srgbClr val="FF0000"/>
+              </a:solidFill>
+            </a:endParaRPr>
+          </a:p>
+        </p:txBody>
+      </p:sp>
+      <p:pic>
+        <p:nvPicPr>
+          <p:cNvPr id="6" name="Picture 5"/>
+          <p:cNvPicPr>
+            <a:picLocks noChangeAspect="1"/>
+          </p:cNvPicPr>
+          <p:nvPr/>
+        </p:nvPicPr>
+        <p:blipFill>
+          <a:blip r:embed="rId3">
+            <a:extLst>
+              <a:ext uri="{28A0092B-C50C-407E-A947-70E740481C1C}">
+                <a14:useLocalDpi xmlns:a14="http://schemas.microsoft.com/office/drawing/2010/main" val="0"/>
+              </a:ext>
+            </a:extLst>
+          </a:blip>
+          <a:stretch>
+            <a:fillRect/>
+          </a:stretch>
+        </p:blipFill>
+        <p:spPr>
+          <a:xfrm>
+            <a:off x="1933521" y="3319623"/>
+            <a:ext cx="1400175" cy="876300"/>
+          </a:xfrm>
+          <a:prstGeom prst="rect">
+            <a:avLst/>
+          </a:prstGeom>
+        </p:spPr>
+      </p:pic>
+      <p:sp>
+        <p:nvSpPr>
+          <p:cNvPr id="7" name="Rectangle 6"/>
+          <p:cNvSpPr/>
+          <p:nvPr/>
+        </p:nvSpPr>
+        <p:spPr>
+          <a:xfrm rot="20974785">
+            <a:off x="2024837" y="3453146"/>
+            <a:ext cx="1210440" cy="570626"/>
+          </a:xfrm>
+          <a:prstGeom prst="rect">
+            <a:avLst/>
+          </a:prstGeom>
+          <a:solidFill>
+            <a:srgbClr val="E4F0F9"/>
+          </a:solidFill>
+          <a:ln>
+            <a:solidFill>
+              <a:srgbClr val="E4F0F9"/>
+            </a:solidFill>
+          </a:ln>
+        </p:spPr>
+        <p:style>
+          <a:lnRef idx="2">
+            <a:schemeClr val="accent1">
+              <a:shade val="50000"/>
+            </a:schemeClr>
+          </a:lnRef>
+          <a:fillRef idx="1">
+            <a:schemeClr val="accent1"/>
+          </a:fillRef>
+          <a:effectRef idx="0">
+            <a:schemeClr val="accent1"/>
+          </a:effectRef>
+          <a:fontRef idx="minor">
+            <a:schemeClr val="lt1"/>
+          </a:fontRef>
+        </p:style>
+        <p:txBody>
+          <a:bodyPr rtlCol="0" anchor="ctr"/>
+          <a:lstStyle/>
+          <a:p>
+            <a:pPr algn="ctr"/>
+            <a:r>
+              <a:rPr lang="en-US" b="1" dirty="0" smtClean="0">
+                <a:solidFill>
+                  <a:srgbClr val="FF0000"/>
+                </a:solidFill>
+              </a:rPr>
+              <a:t>Success</a:t>
+            </a:r>
+            <a:endParaRPr lang="en-US" b="1" dirty="0">
+              <a:solidFill>
+                <a:srgbClr val="FF0000"/>
+              </a:solidFill>
+            </a:endParaRPr>
+          </a:p>
+        </p:txBody>
+      </p:sp>
+      <p:pic>
+        <p:nvPicPr>
+          <p:cNvPr id="8" name="Picture 7"/>
+          <p:cNvPicPr>
+            <a:picLocks noChangeAspect="1"/>
+          </p:cNvPicPr>
+          <p:nvPr/>
+        </p:nvPicPr>
+        <p:blipFill>
+          <a:blip r:embed="rId4">
+            <a:extLst>
+              <a:ext uri="{28A0092B-C50C-407E-A947-70E740481C1C}">
+                <a14:useLocalDpi xmlns:a14="http://schemas.microsoft.com/office/drawing/2010/main" val="0"/>
+              </a:ext>
+            </a:extLst>
+          </a:blip>
+          <a:stretch>
+            <a:fillRect/>
+          </a:stretch>
+        </p:blipFill>
+        <p:spPr>
+          <a:xfrm>
+            <a:off x="5924550" y="3257550"/>
+            <a:ext cx="342900" cy="342900"/>
+          </a:xfrm>
+          <a:prstGeom prst="rect">
+            <a:avLst/>
+          </a:prstGeom>
+        </p:spPr>
+      </p:pic>
+      <p:sp>
+        <p:nvSpPr>
+          <p:cNvPr id="9" name="Rectangle 8"/>
+          <p:cNvSpPr/>
+          <p:nvPr/>
+        </p:nvSpPr>
+        <p:spPr>
+          <a:xfrm>
+            <a:off x="5924550" y="3257551"/>
+            <a:ext cx="342900" cy="342900"/>
+          </a:xfrm>
+          <a:prstGeom prst="rect">
+            <a:avLst/>
+          </a:prstGeom>
+          <a:solidFill>
+            <a:srgbClr val="99E9CE"/>
+          </a:solidFill>
+          <a:ln>
+            <a:solidFill>
+              <a:srgbClr val="99E9CE"/>
+            </a:solidFill>
+          </a:ln>
+        </p:spPr>
+        <p:style>
+          <a:lnRef idx="2">
+            <a:schemeClr val="accent1">
+              <a:shade val="50000"/>
+            </a:schemeClr>
+          </a:lnRef>
+          <a:fillRef idx="1">
+            <a:schemeClr val="accent1"/>
+          </a:fillRef>
+          <a:effectRef idx="0">
+            <a:schemeClr val="accent1"/>
+          </a:effectRef>
+          <a:fontRef idx="minor">
+            <a:schemeClr val="lt1"/>
+          </a:fontRef>
+        </p:style>
+        <p:txBody>
+          <a:bodyPr rtlCol="0" anchor="ctr"/>
+          <a:lstStyle/>
+          <a:p>
+            <a:pPr algn="ctr"/>
+            <a:endParaRPr lang="en-US" sz="1000" b="1" dirty="0"/>
+          </a:p>
+        </p:txBody>
+      </p:sp>
+      <p:sp>
+        <p:nvSpPr>
+          <p:cNvPr id="10" name="TextBox 9"/>
+          <p:cNvSpPr txBox="1"/>
+          <p:nvPr/>
+        </p:nvSpPr>
+        <p:spPr>
+          <a:xfrm>
+            <a:off x="5889854" y="3290500"/>
+            <a:ext cx="412292" cy="276999"/>
+          </a:xfrm>
+          <a:prstGeom prst="rect">
+            <a:avLst/>
+          </a:prstGeom>
+          <a:noFill/>
+        </p:spPr>
+        <p:txBody>
+          <a:bodyPr wrap="none" rtlCol="0">
+            <a:spAutoFit/>
+          </a:bodyPr>
+          <a:lstStyle/>
+          <a:p>
+            <a:r>
+              <a:rPr lang="en-US" sz="1200" b="1" dirty="0">
+                <a:solidFill>
+                  <a:schemeClr val="bg1"/>
+                </a:solidFill>
+              </a:rPr>
+              <a:t>A</a:t>
+            </a:r>
+            <a:r>
+              <a:rPr lang="en-US" sz="1200" b="1" dirty="0" smtClean="0">
+                <a:solidFill>
+                  <a:schemeClr val="bg1"/>
+                </a:solidFill>
+              </a:rPr>
+              <a:t>sk</a:t>
+            </a:r>
+            <a:endParaRPr lang="en-US" sz="1200" b="1" dirty="0">
+              <a:solidFill>
+                <a:schemeClr val="bg1"/>
+              </a:solidFill>
+            </a:endParaRPr>
+          </a:p>
+        </p:txBody>
+      </p:sp>
+      <p:pic>
+        <p:nvPicPr>
+          <p:cNvPr id="11" name="Picture 10"/>
+          <p:cNvPicPr>
+            <a:picLocks noChangeAspect="1"/>
+          </p:cNvPicPr>
+          <p:nvPr/>
+        </p:nvPicPr>
+        <p:blipFill>
+          <a:blip r:embed="rId5">
+            <a:extLst>
+              <a:ext uri="{28A0092B-C50C-407E-A947-70E740481C1C}">
+                <a14:useLocalDpi xmlns:a14="http://schemas.microsoft.com/office/drawing/2010/main" val="0"/>
+              </a:ext>
+            </a:extLst>
+          </a:blip>
+          <a:stretch>
+            <a:fillRect/>
+          </a:stretch>
+        </p:blipFill>
+        <p:spPr>
+          <a:xfrm>
+            <a:off x="4124913" y="1489323"/>
+            <a:ext cx="1476375" cy="838200"/>
+          </a:xfrm>
+          <a:prstGeom prst="rect">
+            <a:avLst/>
+          </a:prstGeom>
+        </p:spPr>
+      </p:pic>
+      <p:sp>
+        <p:nvSpPr>
+          <p:cNvPr id="12" name="Rectangle 11"/>
+          <p:cNvSpPr/>
+          <p:nvPr/>
+        </p:nvSpPr>
+        <p:spPr>
+          <a:xfrm rot="20819359">
+            <a:off x="4273267" y="1630444"/>
+            <a:ext cx="1066961" cy="528671"/>
+          </a:xfrm>
+          <a:prstGeom prst="rect">
+            <a:avLst/>
+          </a:prstGeom>
+          <a:solidFill>
+            <a:srgbClr val="E4F0F9"/>
+          </a:solidFill>
+          <a:ln>
+            <a:solidFill>
+              <a:srgbClr val="E4F0F9"/>
+            </a:solidFill>
+          </a:ln>
+        </p:spPr>
+        <p:style>
+          <a:lnRef idx="2">
+            <a:schemeClr val="accent1">
+              <a:shade val="50000"/>
+            </a:schemeClr>
+          </a:lnRef>
+          <a:fillRef idx="1">
+            <a:schemeClr val="accent1"/>
+          </a:fillRef>
+          <a:effectRef idx="0">
+            <a:schemeClr val="accent1"/>
+          </a:effectRef>
+          <a:fontRef idx="minor">
+            <a:schemeClr val="lt1"/>
+          </a:fontRef>
+        </p:style>
+        <p:txBody>
+          <a:bodyPr rtlCol="0" anchor="ctr"/>
+          <a:lstStyle/>
+          <a:p>
+            <a:pPr algn="ctr"/>
+            <a:r>
+              <a:rPr lang="en-US" b="1" dirty="0" smtClean="0">
+                <a:solidFill>
+                  <a:srgbClr val="FF0000"/>
+                </a:solidFill>
+              </a:rPr>
+              <a:t>Closed</a:t>
+            </a:r>
+            <a:endParaRPr lang="en-US" b="1" dirty="0">
+              <a:solidFill>
+                <a:srgbClr val="FF0000"/>
+              </a:solidFill>
+            </a:endParaRPr>
+          </a:p>
+        </p:txBody>
+      </p:sp>
+      <p:pic>
+        <p:nvPicPr>
+          <p:cNvPr id="13" name="Picture 12"/>
+          <p:cNvPicPr>
+            <a:picLocks noChangeAspect="1"/>
+          </p:cNvPicPr>
+          <p:nvPr/>
+        </p:nvPicPr>
+        <p:blipFill>
+          <a:blip r:embed="rId6">
+            <a:extLst>
+              <a:ext uri="{28A0092B-C50C-407E-A947-70E740481C1C}">
+                <a14:useLocalDpi xmlns:a14="http://schemas.microsoft.com/office/drawing/2010/main" val="0"/>
+              </a:ext>
+            </a:extLst>
+          </a:blip>
+          <a:stretch>
+            <a:fillRect/>
+          </a:stretch>
+        </p:blipFill>
+        <p:spPr>
+          <a:xfrm>
+            <a:off x="1983214" y="5292100"/>
+            <a:ext cx="619125" cy="219075"/>
+          </a:xfrm>
+          <a:prstGeom prst="rect">
+            <a:avLst/>
+          </a:prstGeom>
+        </p:spPr>
+      </p:pic>
+      <p:sp>
+        <p:nvSpPr>
+          <p:cNvPr id="14" name="Rectangle 13"/>
+          <p:cNvSpPr/>
+          <p:nvPr/>
+        </p:nvSpPr>
+        <p:spPr>
+          <a:xfrm>
+            <a:off x="3024133" y="5292100"/>
+            <a:ext cx="619125" cy="219075"/>
+          </a:xfrm>
+          <a:prstGeom prst="rect">
+            <a:avLst/>
+          </a:prstGeom>
+          <a:solidFill>
+            <a:srgbClr val="4AAFAF"/>
+          </a:solidFill>
+          <a:ln>
+            <a:solidFill>
+              <a:srgbClr val="4AAFAF"/>
+            </a:solidFill>
+          </a:ln>
+        </p:spPr>
+        <p:style>
+          <a:lnRef idx="2">
+            <a:schemeClr val="accent1">
+              <a:shade val="50000"/>
+            </a:schemeClr>
+          </a:lnRef>
+          <a:fillRef idx="1">
+            <a:schemeClr val="accent1"/>
+          </a:fillRef>
+          <a:effectRef idx="0">
+            <a:schemeClr val="accent1"/>
+          </a:effectRef>
+          <a:fontRef idx="minor">
+            <a:schemeClr val="lt1"/>
+          </a:fontRef>
+        </p:style>
+        <p:txBody>
+          <a:bodyPr rtlCol="0" anchor="ctr"/>
+          <a:lstStyle/>
+          <a:p>
+            <a:pPr algn="ctr"/>
+            <a:endParaRPr lang="en-US"/>
+          </a:p>
+        </p:txBody>
+      </p:sp>
+      <p:sp>
+        <p:nvSpPr>
+          <p:cNvPr id="15" name="Rounded Rectangle 14"/>
+          <p:cNvSpPr/>
+          <p:nvPr/>
+        </p:nvSpPr>
+        <p:spPr>
+          <a:xfrm>
+            <a:off x="3914752" y="5292100"/>
+            <a:ext cx="625398" cy="219075"/>
+          </a:xfrm>
+          <a:prstGeom prst="roundRect">
+            <a:avLst/>
+          </a:prstGeom>
+          <a:solidFill>
+            <a:srgbClr val="4AAFAF"/>
+          </a:solidFill>
+          <a:ln>
+            <a:solidFill>
+              <a:srgbClr val="4AAFAF"/>
+            </a:solidFill>
+          </a:ln>
+        </p:spPr>
+        <p:style>
+          <a:lnRef idx="2">
+            <a:schemeClr val="accent1">
+              <a:shade val="50000"/>
+            </a:schemeClr>
+          </a:lnRef>
+          <a:fillRef idx="1">
+            <a:schemeClr val="accent1"/>
+          </a:fillRef>
+          <a:effectRef idx="0">
+            <a:schemeClr val="accent1"/>
+          </a:effectRef>
+          <a:fontRef idx="minor">
+            <a:schemeClr val="lt1"/>
+          </a:fontRef>
+        </p:style>
+        <p:txBody>
+          <a:bodyPr rtlCol="0" anchor="ctr"/>
+          <a:lstStyle/>
+          <a:p>
+            <a:pPr algn="ctr"/>
+            <a:endParaRPr lang="en-US"/>
+          </a:p>
+        </p:txBody>
+      </p:sp>
+      <p:sp>
+        <p:nvSpPr>
+          <p:cNvPr id="16" name="TextBox 15"/>
+          <p:cNvSpPr txBox="1"/>
+          <p:nvPr/>
+        </p:nvSpPr>
+        <p:spPr>
+          <a:xfrm>
+            <a:off x="3846067" y="5258022"/>
+            <a:ext cx="786626" cy="276999"/>
+          </a:xfrm>
+          <a:prstGeom prst="rect">
+            <a:avLst/>
+          </a:prstGeom>
+          <a:noFill/>
+        </p:spPr>
+        <p:txBody>
+          <a:bodyPr wrap="none" rtlCol="0">
+            <a:spAutoFit/>
+          </a:bodyPr>
+          <a:lstStyle/>
+          <a:p>
+            <a:r>
+              <a:rPr lang="en-US" sz="1200" dirty="0" smtClean="0">
+                <a:solidFill>
+                  <a:schemeClr val="bg1"/>
+                </a:solidFill>
+              </a:rPr>
+              <a:t>Subscribe</a:t>
+            </a:r>
+            <a:endParaRPr lang="en-US" sz="1200" dirty="0">
+              <a:solidFill>
+                <a:schemeClr val="bg1"/>
+              </a:solidFill>
+            </a:endParaRPr>
+          </a:p>
+        </p:txBody>
+      </p:sp>
+      <p:pic>
+        <p:nvPicPr>
+          <p:cNvPr id="17" name="Picture 16"/>
+          <p:cNvPicPr>
+            <a:picLocks noChangeAspect="1"/>
+          </p:cNvPicPr>
+          <p:nvPr/>
+        </p:nvPicPr>
+        <p:blipFill>
+          <a:blip r:embed="rId7">
+            <a:extLst>
+              <a:ext uri="{28A0092B-C50C-407E-A947-70E740481C1C}">
+                <a14:useLocalDpi xmlns:a14="http://schemas.microsoft.com/office/drawing/2010/main" val="0"/>
+              </a:ext>
+            </a:extLst>
+          </a:blip>
+          <a:stretch>
+            <a:fillRect/>
+          </a:stretch>
+        </p:blipFill>
+        <p:spPr>
+          <a:xfrm>
+            <a:off x="6198967" y="4818283"/>
+            <a:ext cx="485775" cy="266700"/>
+          </a:xfrm>
+          <a:prstGeom prst="rect">
+            <a:avLst/>
+          </a:prstGeom>
+        </p:spPr>
+      </p:pic>
+      <p:sp>
+        <p:nvSpPr>
+          <p:cNvPr id="18" name="Rounded Rectangle 17"/>
+          <p:cNvSpPr/>
+          <p:nvPr/>
+        </p:nvSpPr>
+        <p:spPr>
+          <a:xfrm>
+            <a:off x="5363539" y="4818283"/>
+            <a:ext cx="475498" cy="255916"/>
+          </a:xfrm>
+          <a:prstGeom prst="roundRect">
+            <a:avLst/>
+          </a:prstGeom>
+          <a:solidFill>
+            <a:srgbClr val="D4EBFD"/>
+          </a:solidFill>
+          <a:ln>
+            <a:solidFill>
+              <a:srgbClr val="D4EBFD"/>
+            </a:solidFill>
+          </a:ln>
+        </p:spPr>
+        <p:style>
+          <a:lnRef idx="2">
+            <a:schemeClr val="accent1">
+              <a:shade val="50000"/>
+            </a:schemeClr>
+          </a:lnRef>
+          <a:fillRef idx="1">
+            <a:schemeClr val="accent1"/>
+          </a:fillRef>
+          <a:effectRef idx="0">
+            <a:schemeClr val="accent1"/>
+          </a:effectRef>
+          <a:fontRef idx="minor">
+            <a:schemeClr val="lt1"/>
+          </a:fontRef>
+        </p:style>
+        <p:txBody>
+          <a:bodyPr rtlCol="0" anchor="ctr"/>
+          <a:lstStyle/>
+          <a:p>
+            <a:pPr algn="ctr"/>
+            <a:endParaRPr lang="en-US"/>
+          </a:p>
+        </p:txBody>
+      </p:sp>
+      <p:sp>
+        <p:nvSpPr>
+          <p:cNvPr id="19" name="TextBox 18"/>
+          <p:cNvSpPr txBox="1"/>
+          <p:nvPr/>
+        </p:nvSpPr>
+        <p:spPr>
+          <a:xfrm>
+            <a:off x="5288712" y="4841451"/>
+            <a:ext cx="649537" cy="230832"/>
+          </a:xfrm>
+          <a:prstGeom prst="rect">
+            <a:avLst/>
+          </a:prstGeom>
+          <a:noFill/>
+        </p:spPr>
+        <p:txBody>
+          <a:bodyPr wrap="none" rtlCol="0">
+            <a:spAutoFit/>
+          </a:bodyPr>
+          <a:lstStyle/>
+          <a:p>
+            <a:r>
+              <a:rPr lang="en-US" sz="900" b="1" dirty="0" smtClean="0">
+                <a:solidFill>
+                  <a:srgbClr val="1C97C2"/>
+                </a:solidFill>
+              </a:rPr>
+              <a:t>Subscribe</a:t>
+            </a:r>
+            <a:endParaRPr lang="en-US" sz="1100" b="1" dirty="0">
+              <a:solidFill>
+                <a:srgbClr val="1C97C2"/>
+              </a:solidFill>
+            </a:endParaRPr>
+          </a:p>
+        </p:txBody>
+      </p:sp>
+    </p:spTree>
+    <p:extLst>
+      <p:ext uri="{BB962C8B-B14F-4D97-AF65-F5344CB8AC3E}">
+        <p14:creationId xmlns:p14="http://schemas.microsoft.com/office/powerpoint/2010/main" val="639436161"/>
       </p:ext>
     </p:extLst>
   </p:cSld>
